--- a/doc/教学课件/拓展知识/图形库简介.pptx
+++ b/doc/教学课件/拓展知识/图形库简介.pptx
@@ -215,7 +215,7 @@
           <a:p>
             <a:fld id="{AF3C66E7-6CB6-4440-A44D-4141B2254FEC}" type="datetimeFigureOut">
               <a:rPr lang="zh-CN" altLang="en-US" smtClean="0"/>
-              <a:t>2018/11/2</a:t>
+              <a:t>2018/11/3</a:t>
             </a:fld>
             <a:endParaRPr lang="zh-CN" altLang="en-US"/>
           </a:p>
@@ -1019,7 +1019,7 @@
           <a:p>
             <a:fld id="{F65B811B-E3B4-42AF-946D-EBB340E40D27}" type="datetimeFigureOut">
               <a:rPr lang="zh-CN" altLang="en-US" smtClean="0"/>
-              <a:t>2018/11/2</a:t>
+              <a:t>2018/11/3</a:t>
             </a:fld>
             <a:endParaRPr lang="zh-CN" altLang="en-US"/>
           </a:p>
@@ -1217,7 +1217,7 @@
           <a:p>
             <a:fld id="{F65B811B-E3B4-42AF-946D-EBB340E40D27}" type="datetimeFigureOut">
               <a:rPr lang="zh-CN" altLang="en-US" smtClean="0"/>
-              <a:t>2018/11/2</a:t>
+              <a:t>2018/11/3</a:t>
             </a:fld>
             <a:endParaRPr lang="zh-CN" altLang="en-US"/>
           </a:p>
@@ -1425,7 +1425,7 @@
           <a:p>
             <a:fld id="{F65B811B-E3B4-42AF-946D-EBB340E40D27}" type="datetimeFigureOut">
               <a:rPr lang="zh-CN" altLang="en-US" smtClean="0"/>
-              <a:t>2018/11/2</a:t>
+              <a:t>2018/11/3</a:t>
             </a:fld>
             <a:endParaRPr lang="zh-CN" altLang="en-US"/>
           </a:p>
@@ -1623,7 +1623,7 @@
           <a:p>
             <a:fld id="{F65B811B-E3B4-42AF-946D-EBB340E40D27}" type="datetimeFigureOut">
               <a:rPr lang="zh-CN" altLang="en-US" smtClean="0"/>
-              <a:t>2018/11/2</a:t>
+              <a:t>2018/11/3</a:t>
             </a:fld>
             <a:endParaRPr lang="zh-CN" altLang="en-US"/>
           </a:p>
@@ -1898,7 +1898,7 @@
           <a:p>
             <a:fld id="{F65B811B-E3B4-42AF-946D-EBB340E40D27}" type="datetimeFigureOut">
               <a:rPr lang="zh-CN" altLang="en-US" smtClean="0"/>
-              <a:t>2018/11/2</a:t>
+              <a:t>2018/11/3</a:t>
             </a:fld>
             <a:endParaRPr lang="zh-CN" altLang="en-US"/>
           </a:p>
@@ -2163,7 +2163,7 @@
           <a:p>
             <a:fld id="{F65B811B-E3B4-42AF-946D-EBB340E40D27}" type="datetimeFigureOut">
               <a:rPr lang="zh-CN" altLang="en-US" smtClean="0"/>
-              <a:t>2018/11/2</a:t>
+              <a:t>2018/11/3</a:t>
             </a:fld>
             <a:endParaRPr lang="zh-CN" altLang="en-US"/>
           </a:p>
@@ -2575,7 +2575,7 @@
           <a:p>
             <a:fld id="{F65B811B-E3B4-42AF-946D-EBB340E40D27}" type="datetimeFigureOut">
               <a:rPr lang="zh-CN" altLang="en-US" smtClean="0"/>
-              <a:t>2018/11/2</a:t>
+              <a:t>2018/11/3</a:t>
             </a:fld>
             <a:endParaRPr lang="zh-CN" altLang="en-US"/>
           </a:p>
@@ -2716,7 +2716,7 @@
           <a:p>
             <a:fld id="{F65B811B-E3B4-42AF-946D-EBB340E40D27}" type="datetimeFigureOut">
               <a:rPr lang="zh-CN" altLang="en-US" smtClean="0"/>
-              <a:t>2018/11/2</a:t>
+              <a:t>2018/11/3</a:t>
             </a:fld>
             <a:endParaRPr lang="zh-CN" altLang="en-US"/>
           </a:p>
@@ -2829,7 +2829,7 @@
           <a:p>
             <a:fld id="{F65B811B-E3B4-42AF-946D-EBB340E40D27}" type="datetimeFigureOut">
               <a:rPr lang="zh-CN" altLang="en-US" smtClean="0"/>
-              <a:t>2018/11/2</a:t>
+              <a:t>2018/11/3</a:t>
             </a:fld>
             <a:endParaRPr lang="zh-CN" altLang="en-US"/>
           </a:p>
@@ -3140,7 +3140,7 @@
           <a:p>
             <a:fld id="{F65B811B-E3B4-42AF-946D-EBB340E40D27}" type="datetimeFigureOut">
               <a:rPr lang="zh-CN" altLang="en-US" smtClean="0"/>
-              <a:t>2018/11/2</a:t>
+              <a:t>2018/11/3</a:t>
             </a:fld>
             <a:endParaRPr lang="zh-CN" altLang="en-US"/>
           </a:p>
@@ -3428,7 +3428,7 @@
           <a:p>
             <a:fld id="{F65B811B-E3B4-42AF-946D-EBB340E40D27}" type="datetimeFigureOut">
               <a:rPr lang="zh-CN" altLang="en-US" smtClean="0"/>
-              <a:t>2018/11/2</a:t>
+              <a:t>2018/11/3</a:t>
             </a:fld>
             <a:endParaRPr lang="zh-CN" altLang="en-US"/>
           </a:p>
@@ -3669,7 +3669,7 @@
           <a:p>
             <a:fld id="{F65B811B-E3B4-42AF-946D-EBB340E40D27}" type="datetimeFigureOut">
               <a:rPr lang="zh-CN" altLang="en-US" smtClean="0"/>
-              <a:t>2018/11/2</a:t>
+              <a:t>2018/11/3</a:t>
             </a:fld>
             <a:endParaRPr lang="zh-CN" altLang="en-US"/>
           </a:p>
@@ -5673,7 +5673,23 @@
                   <a:schemeClr val="bg1"/>
                 </a:solidFill>
               </a:rPr>
-              <a:t>中新建项目。</a:t>
+              <a:t>中新建项目并在本项目的源文件目录下新建</a:t>
+            </a:r>
+            <a:r>
+              <a:rPr lang="en-US" altLang="zh-CN" sz="2000" dirty="0" err="1">
+                <a:solidFill>
+                  <a:schemeClr val="bg1"/>
+                </a:solidFill>
+              </a:rPr>
+              <a:t>ege</a:t>
+            </a:r>
+            <a:r>
+              <a:rPr lang="zh-CN" altLang="en-US" sz="2000" dirty="0">
+                <a:solidFill>
+                  <a:schemeClr val="bg1"/>
+                </a:solidFill>
+              </a:rPr>
+              <a:t>文件夹。</a:t>
             </a:r>
             <a:endParaRPr lang="en-US" altLang="zh-CN" sz="2000" dirty="0">
               <a:solidFill>
@@ -5751,7 +5767,23 @@
                   <a:schemeClr val="bg1"/>
                 </a:solidFill>
               </a:rPr>
-              <a:t>文件夹复制到新建项目的源文件目录下</a:t>
+              <a:t>文件夹复制到刚才新建的 </a:t>
+            </a:r>
+            <a:r>
+              <a:rPr lang="en-US" altLang="zh-CN" sz="2000" dirty="0" err="1">
+                <a:solidFill>
+                  <a:schemeClr val="bg1"/>
+                </a:solidFill>
+              </a:rPr>
+              <a:t>ege</a:t>
+            </a:r>
+            <a:r>
+              <a:rPr lang="zh-CN" altLang="en-US" sz="2000" dirty="0">
+                <a:solidFill>
+                  <a:schemeClr val="bg1"/>
+                </a:solidFill>
+              </a:rPr>
+              <a:t>文件夹下</a:t>
             </a:r>
             <a:endParaRPr lang="en-US" altLang="zh-CN" sz="2000" dirty="0">
               <a:solidFill>
@@ -5808,20 +5840,28 @@
               <a:t>“附加包含目录”中输入</a:t>
             </a:r>
             <a:r>
-              <a:rPr lang="zh-CN" altLang="en-US" sz="2000" dirty="0">
-                <a:solidFill>
-                  <a:schemeClr val="bg1"/>
-                </a:solidFill>
-              </a:rPr>
-              <a:t>“</a:t>
-            </a:r>
-            <a:r>
               <a:rPr lang="en-US" altLang="zh-CN" sz="2000" dirty="0">
                 <a:solidFill>
                   <a:schemeClr val="bg1"/>
                 </a:solidFill>
               </a:rPr>
-              <a:t>include”</a:t>
+              <a:t>” </a:t>
+            </a:r>
+            <a:r>
+              <a:rPr lang="en-US" altLang="zh-CN" sz="2000" dirty="0" err="1">
+                <a:solidFill>
+                  <a:schemeClr val="bg1"/>
+                </a:solidFill>
+              </a:rPr>
+              <a:t>ege</a:t>
+            </a:r>
+            <a:r>
+              <a:rPr lang="en-US" altLang="zh-CN" sz="2000" dirty="0">
+                <a:solidFill>
+                  <a:schemeClr val="bg1"/>
+                </a:solidFill>
+              </a:rPr>
+              <a:t>/include”</a:t>
             </a:r>
           </a:p>
           <a:p>
@@ -5838,7 +5878,7 @@
                   <a:schemeClr val="bg1"/>
                 </a:solidFill>
               </a:rPr>
-              <a:t>5</a:t>
+              <a:t>6</a:t>
             </a:r>
             <a:r>
               <a:rPr lang="zh-CN" altLang="en-US" sz="2000" dirty="0">
@@ -5854,7 +5894,7 @@
                   <a:schemeClr val="bg1"/>
                 </a:solidFill>
               </a:rPr>
-              <a:t>再点开左边的“链接器”，点击“常规”，输入</a:t>
+              <a:t>再点开左边的“链接器”，点击“常规”，在右边的“附加库目录”输入</a:t>
             </a:r>
             <a:r>
               <a:rPr lang="en-US" altLang="zh-CN" sz="2000" dirty="0">
@@ -5862,7 +5902,23 @@
                   <a:schemeClr val="bg1"/>
                 </a:solidFill>
               </a:rPr>
-              <a:t>”lib”</a:t>
+              <a:t>”</a:t>
+            </a:r>
+            <a:r>
+              <a:rPr lang="en-US" altLang="zh-CN" sz="2000" dirty="0" err="1">
+                <a:solidFill>
+                  <a:schemeClr val="bg1"/>
+                </a:solidFill>
+              </a:rPr>
+              <a:t>ege</a:t>
+            </a:r>
+            <a:r>
+              <a:rPr lang="en-US" altLang="zh-CN" sz="2000" dirty="0">
+                <a:solidFill>
+                  <a:schemeClr val="bg1"/>
+                </a:solidFill>
+              </a:rPr>
+              <a:t>/ lib/ vs2017/x86”</a:t>
             </a:r>
             <a:r>
               <a:rPr lang="zh-CN" altLang="zh-CN" sz="2000" dirty="0">
@@ -5872,9 +5928,7 @@
               </a:rPr>
               <a:t>即可。</a:t>
             </a:r>
-          </a:p>
-          <a:p>
-            <a:endParaRPr lang="zh-CN" altLang="en-US" sz="2000" dirty="0">
+            <a:endParaRPr lang="en-US" altLang="zh-CN" sz="2000" dirty="0">
               <a:solidFill>
                 <a:schemeClr val="bg1"/>
               </a:solidFill>
